--- a/assets/UI.pptx
+++ b/assets/UI.pptx
@@ -5,7 +5,8 @@
     <p:sldMasterId id="2147483648" r:id="rId1"/>
   </p:sldMasterIdLst>
   <p:sldIdLst>
-    <p:sldId id="256" r:id="rId3"/>
+    <p:sldId id="256" r:id="rId2"/>
+    <p:sldId id="257" r:id="rId3"/>
   </p:sldIdLst>
   <p:sldSz cx="12192000" cy="6858000"/>
   <p:notesSz cx="6858000" cy="9144000"/>
@@ -104,6 +105,11 @@
       </a:defRPr>
     </a:lvl9pPr>
   </p:defaultTextStyle>
+  <p:extLst>
+    <p:ext uri="{EFAFB233-063F-42B5-8137-9DF3F51BA10A}">
+      <p15:sldGuideLst xmlns:p15="http://schemas.microsoft.com/office/powerpoint/2012/main"/>
+    </p:ext>
+  </p:extLst>
 </p:presentation>
 </file>
 
@@ -149,10 +155,9 @@
           </a:lstStyle>
           <a:p>
             <a:r>
-              <a:rPr lang="zh-CN" altLang="en-US" smtClean="0"/>
+              <a:rPr lang="zh-CN" altLang="en-US"/>
               <a:t>单击此处编辑母版标题样式</a:t>
             </a:r>
-            <a:endParaRPr lang="zh-CN" altLang="en-US"/>
           </a:p>
         </p:txBody>
       </p:sp>
@@ -214,10 +219,9 @@
           </a:lstStyle>
           <a:p>
             <a:r>
-              <a:rPr lang="zh-CN" altLang="en-US" smtClean="0"/>
+              <a:rPr lang="zh-CN" altLang="en-US"/>
               <a:t>单击此处编辑母版副标题样式</a:t>
             </a:r>
-            <a:endParaRPr lang="zh-CN" altLang="en-US"/>
           </a:p>
         </p:txBody>
       </p:sp>
@@ -238,6 +242,7 @@
           <a:p>
             <a:fld id="{D997B5FA-0921-464F-AAE1-844C04324D75}" type="datetimeFigureOut">
               <a:rPr lang="zh-CN" altLang="en-US" smtClean="0"/>
+              <a:t>2025/7/26</a:t>
             </a:fld>
             <a:endParaRPr lang="zh-CN" altLang="en-US"/>
           </a:p>
@@ -279,6 +284,7 @@
           <a:p>
             <a:fld id="{565CE74E-AB26-4998-AD42-012C4C1AD076}" type="slidenum">
               <a:rPr lang="zh-CN" altLang="en-US" smtClean="0"/>
+              <a:t>‹#›</a:t>
             </a:fld>
             <a:endParaRPr lang="zh-CN" altLang="en-US"/>
           </a:p>
@@ -325,10 +331,9 @@
           <a:lstStyle/>
           <a:p>
             <a:r>
-              <a:rPr lang="zh-CN" altLang="en-US" smtClean="0"/>
+              <a:rPr lang="zh-CN" altLang="en-US"/>
               <a:t>单击此处编辑母版标题样式</a:t>
             </a:r>
-            <a:endParaRPr lang="zh-CN" altLang="en-US"/>
           </a:p>
         </p:txBody>
       </p:sp>
@@ -349,42 +354,37 @@
           <a:p>
             <a:pPr lvl="0"/>
             <a:r>
-              <a:rPr lang="zh-CN" altLang="en-US" smtClean="0"/>
+              <a:rPr lang="zh-CN" altLang="en-US"/>
               <a:t>单击此处编辑母版文本样式</a:t>
             </a:r>
-            <a:endParaRPr lang="zh-CN" altLang="en-US" smtClean="0"/>
           </a:p>
           <a:p>
             <a:pPr lvl="1"/>
             <a:r>
-              <a:rPr lang="zh-CN" altLang="en-US" smtClean="0"/>
+              <a:rPr lang="zh-CN" altLang="en-US"/>
               <a:t>第二级</a:t>
             </a:r>
-            <a:endParaRPr lang="zh-CN" altLang="en-US" smtClean="0"/>
           </a:p>
           <a:p>
             <a:pPr lvl="2"/>
             <a:r>
-              <a:rPr lang="zh-CN" altLang="en-US" smtClean="0"/>
+              <a:rPr lang="zh-CN" altLang="en-US"/>
               <a:t>第三级</a:t>
             </a:r>
-            <a:endParaRPr lang="zh-CN" altLang="en-US" smtClean="0"/>
           </a:p>
           <a:p>
             <a:pPr lvl="3"/>
             <a:r>
-              <a:rPr lang="zh-CN" altLang="en-US" smtClean="0"/>
+              <a:rPr lang="zh-CN" altLang="en-US"/>
               <a:t>第四级</a:t>
             </a:r>
-            <a:endParaRPr lang="zh-CN" altLang="en-US" smtClean="0"/>
           </a:p>
           <a:p>
             <a:pPr lvl="4"/>
             <a:r>
-              <a:rPr lang="zh-CN" altLang="en-US" smtClean="0"/>
+              <a:rPr lang="zh-CN" altLang="en-US"/>
               <a:t>第五级</a:t>
             </a:r>
-            <a:endParaRPr lang="zh-CN" altLang="en-US"/>
           </a:p>
         </p:txBody>
       </p:sp>
@@ -405,6 +405,7 @@
           <a:p>
             <a:fld id="{D997B5FA-0921-464F-AAE1-844C04324D75}" type="datetimeFigureOut">
               <a:rPr lang="zh-CN" altLang="en-US" smtClean="0"/>
+              <a:t>2025/7/26</a:t>
             </a:fld>
             <a:endParaRPr lang="zh-CN" altLang="en-US"/>
           </a:p>
@@ -446,6 +447,7 @@
           <a:p>
             <a:fld id="{565CE74E-AB26-4998-AD42-012C4C1AD076}" type="slidenum">
               <a:rPr lang="zh-CN" altLang="en-US" smtClean="0"/>
+              <a:t>‹#›</a:t>
             </a:fld>
             <a:endParaRPr lang="zh-CN" altLang="en-US"/>
           </a:p>
@@ -497,10 +499,9 @@
           <a:lstStyle/>
           <a:p>
             <a:r>
-              <a:rPr lang="zh-CN" altLang="en-US" smtClean="0"/>
+              <a:rPr lang="zh-CN" altLang="en-US"/>
               <a:t>单击此处编辑母版标题样式</a:t>
             </a:r>
-            <a:endParaRPr lang="zh-CN" altLang="en-US"/>
           </a:p>
         </p:txBody>
       </p:sp>
@@ -526,42 +527,37 @@
           <a:p>
             <a:pPr lvl="0"/>
             <a:r>
-              <a:rPr lang="zh-CN" altLang="en-US" smtClean="0"/>
+              <a:rPr lang="zh-CN" altLang="en-US"/>
               <a:t>单击此处编辑母版文本样式</a:t>
             </a:r>
-            <a:endParaRPr lang="zh-CN" altLang="en-US" smtClean="0"/>
           </a:p>
           <a:p>
             <a:pPr lvl="1"/>
             <a:r>
-              <a:rPr lang="zh-CN" altLang="en-US" smtClean="0"/>
+              <a:rPr lang="zh-CN" altLang="en-US"/>
               <a:t>第二级</a:t>
             </a:r>
-            <a:endParaRPr lang="zh-CN" altLang="en-US" smtClean="0"/>
           </a:p>
           <a:p>
             <a:pPr lvl="2"/>
             <a:r>
-              <a:rPr lang="zh-CN" altLang="en-US" smtClean="0"/>
+              <a:rPr lang="zh-CN" altLang="en-US"/>
               <a:t>第三级</a:t>
             </a:r>
-            <a:endParaRPr lang="zh-CN" altLang="en-US" smtClean="0"/>
           </a:p>
           <a:p>
             <a:pPr lvl="3"/>
             <a:r>
-              <a:rPr lang="zh-CN" altLang="en-US" smtClean="0"/>
+              <a:rPr lang="zh-CN" altLang="en-US"/>
               <a:t>第四级</a:t>
             </a:r>
-            <a:endParaRPr lang="zh-CN" altLang="en-US" smtClean="0"/>
           </a:p>
           <a:p>
             <a:pPr lvl="4"/>
             <a:r>
-              <a:rPr lang="zh-CN" altLang="en-US" smtClean="0"/>
+              <a:rPr lang="zh-CN" altLang="en-US"/>
               <a:t>第五级</a:t>
             </a:r>
-            <a:endParaRPr lang="zh-CN" altLang="en-US"/>
           </a:p>
         </p:txBody>
       </p:sp>
@@ -582,6 +578,7 @@
           <a:p>
             <a:fld id="{D997B5FA-0921-464F-AAE1-844C04324D75}" type="datetimeFigureOut">
               <a:rPr lang="zh-CN" altLang="en-US" smtClean="0"/>
+              <a:t>2025/7/26</a:t>
             </a:fld>
             <a:endParaRPr lang="zh-CN" altLang="en-US"/>
           </a:p>
@@ -623,6 +620,7 @@
           <a:p>
             <a:fld id="{565CE74E-AB26-4998-AD42-012C4C1AD076}" type="slidenum">
               <a:rPr lang="zh-CN" altLang="en-US" smtClean="0"/>
+              <a:t>‹#›</a:t>
             </a:fld>
             <a:endParaRPr lang="zh-CN" altLang="en-US"/>
           </a:p>
@@ -669,10 +667,9 @@
           <a:lstStyle/>
           <a:p>
             <a:r>
-              <a:rPr lang="zh-CN" altLang="en-US" smtClean="0"/>
+              <a:rPr lang="zh-CN" altLang="en-US"/>
               <a:t>单击此处编辑母版标题样式</a:t>
             </a:r>
-            <a:endParaRPr lang="zh-CN" altLang="en-US"/>
           </a:p>
         </p:txBody>
       </p:sp>
@@ -693,42 +690,37 @@
           <a:p>
             <a:pPr lvl="0"/>
             <a:r>
-              <a:rPr lang="zh-CN" altLang="en-US" smtClean="0"/>
+              <a:rPr lang="zh-CN" altLang="en-US"/>
               <a:t>单击此处编辑母版文本样式</a:t>
             </a:r>
-            <a:endParaRPr lang="zh-CN" altLang="en-US" smtClean="0"/>
           </a:p>
           <a:p>
             <a:pPr lvl="1"/>
             <a:r>
-              <a:rPr lang="zh-CN" altLang="en-US" smtClean="0"/>
+              <a:rPr lang="zh-CN" altLang="en-US"/>
               <a:t>第二级</a:t>
             </a:r>
-            <a:endParaRPr lang="zh-CN" altLang="en-US" smtClean="0"/>
           </a:p>
           <a:p>
             <a:pPr lvl="2"/>
             <a:r>
-              <a:rPr lang="zh-CN" altLang="en-US" smtClean="0"/>
+              <a:rPr lang="zh-CN" altLang="en-US"/>
               <a:t>第三级</a:t>
             </a:r>
-            <a:endParaRPr lang="zh-CN" altLang="en-US" smtClean="0"/>
           </a:p>
           <a:p>
             <a:pPr lvl="3"/>
             <a:r>
-              <a:rPr lang="zh-CN" altLang="en-US" smtClean="0"/>
+              <a:rPr lang="zh-CN" altLang="en-US"/>
               <a:t>第四级</a:t>
             </a:r>
-            <a:endParaRPr lang="zh-CN" altLang="en-US" smtClean="0"/>
           </a:p>
           <a:p>
             <a:pPr lvl="4"/>
             <a:r>
-              <a:rPr lang="zh-CN" altLang="en-US" smtClean="0"/>
+              <a:rPr lang="zh-CN" altLang="en-US"/>
               <a:t>第五级</a:t>
             </a:r>
-            <a:endParaRPr lang="zh-CN" altLang="en-US"/>
           </a:p>
         </p:txBody>
       </p:sp>
@@ -749,6 +741,7 @@
           <a:p>
             <a:fld id="{D997B5FA-0921-464F-AAE1-844C04324D75}" type="datetimeFigureOut">
               <a:rPr lang="zh-CN" altLang="en-US" smtClean="0"/>
+              <a:t>2025/7/26</a:t>
             </a:fld>
             <a:endParaRPr lang="zh-CN" altLang="en-US"/>
           </a:p>
@@ -790,6 +783,7 @@
           <a:p>
             <a:fld id="{565CE74E-AB26-4998-AD42-012C4C1AD076}" type="slidenum">
               <a:rPr lang="zh-CN" altLang="en-US" smtClean="0"/>
+              <a:t>‹#›</a:t>
             </a:fld>
             <a:endParaRPr lang="zh-CN" altLang="en-US"/>
           </a:p>
@@ -845,10 +839,9 @@
           </a:lstStyle>
           <a:p>
             <a:r>
-              <a:rPr lang="zh-CN" altLang="en-US" smtClean="0"/>
+              <a:rPr lang="zh-CN" altLang="en-US"/>
               <a:t>单击此处编辑母版标题样式</a:t>
             </a:r>
-            <a:endParaRPr lang="zh-CN" altLang="en-US"/>
           </a:p>
         </p:txBody>
       </p:sp>
@@ -965,10 +958,9 @@
           <a:p>
             <a:pPr lvl="0"/>
             <a:r>
-              <a:rPr lang="zh-CN" altLang="en-US" smtClean="0"/>
+              <a:rPr lang="zh-CN" altLang="en-US"/>
               <a:t>单击此处编辑母版文本样式</a:t>
             </a:r>
-            <a:endParaRPr lang="zh-CN" altLang="en-US" smtClean="0"/>
           </a:p>
         </p:txBody>
       </p:sp>
@@ -989,6 +981,7 @@
           <a:p>
             <a:fld id="{D997B5FA-0921-464F-AAE1-844C04324D75}" type="datetimeFigureOut">
               <a:rPr lang="zh-CN" altLang="en-US" smtClean="0"/>
+              <a:t>2025/7/26</a:t>
             </a:fld>
             <a:endParaRPr lang="zh-CN" altLang="en-US"/>
           </a:p>
@@ -1030,6 +1023,7 @@
           <a:p>
             <a:fld id="{565CE74E-AB26-4998-AD42-012C4C1AD076}" type="slidenum">
               <a:rPr lang="zh-CN" altLang="en-US" smtClean="0"/>
+              <a:t>‹#›</a:t>
             </a:fld>
             <a:endParaRPr lang="zh-CN" altLang="en-US"/>
           </a:p>
@@ -1076,10 +1070,9 @@
           <a:lstStyle/>
           <a:p>
             <a:r>
-              <a:rPr lang="zh-CN" altLang="en-US" smtClean="0"/>
+              <a:rPr lang="zh-CN" altLang="en-US"/>
               <a:t>单击此处编辑母版标题样式</a:t>
             </a:r>
-            <a:endParaRPr lang="zh-CN" altLang="en-US"/>
           </a:p>
         </p:txBody>
       </p:sp>
@@ -1105,42 +1098,37 @@
           <a:p>
             <a:pPr lvl="0"/>
             <a:r>
-              <a:rPr lang="zh-CN" altLang="en-US" smtClean="0"/>
+              <a:rPr lang="zh-CN" altLang="en-US"/>
               <a:t>单击此处编辑母版文本样式</a:t>
             </a:r>
-            <a:endParaRPr lang="zh-CN" altLang="en-US" smtClean="0"/>
           </a:p>
           <a:p>
             <a:pPr lvl="1"/>
             <a:r>
-              <a:rPr lang="zh-CN" altLang="en-US" smtClean="0"/>
+              <a:rPr lang="zh-CN" altLang="en-US"/>
               <a:t>第二级</a:t>
             </a:r>
-            <a:endParaRPr lang="zh-CN" altLang="en-US" smtClean="0"/>
           </a:p>
           <a:p>
             <a:pPr lvl="2"/>
             <a:r>
-              <a:rPr lang="zh-CN" altLang="en-US" smtClean="0"/>
+              <a:rPr lang="zh-CN" altLang="en-US"/>
               <a:t>第三级</a:t>
             </a:r>
-            <a:endParaRPr lang="zh-CN" altLang="en-US" smtClean="0"/>
           </a:p>
           <a:p>
             <a:pPr lvl="3"/>
             <a:r>
-              <a:rPr lang="zh-CN" altLang="en-US" smtClean="0"/>
+              <a:rPr lang="zh-CN" altLang="en-US"/>
               <a:t>第四级</a:t>
             </a:r>
-            <a:endParaRPr lang="zh-CN" altLang="en-US" smtClean="0"/>
           </a:p>
           <a:p>
             <a:pPr lvl="4"/>
             <a:r>
-              <a:rPr lang="zh-CN" altLang="en-US" smtClean="0"/>
+              <a:rPr lang="zh-CN" altLang="en-US"/>
               <a:t>第五级</a:t>
             </a:r>
-            <a:endParaRPr lang="zh-CN" altLang="en-US"/>
           </a:p>
         </p:txBody>
       </p:sp>
@@ -1166,42 +1154,37 @@
           <a:p>
             <a:pPr lvl="0"/>
             <a:r>
-              <a:rPr lang="zh-CN" altLang="en-US" smtClean="0"/>
+              <a:rPr lang="zh-CN" altLang="en-US"/>
               <a:t>单击此处编辑母版文本样式</a:t>
             </a:r>
-            <a:endParaRPr lang="zh-CN" altLang="en-US" smtClean="0"/>
           </a:p>
           <a:p>
             <a:pPr lvl="1"/>
             <a:r>
-              <a:rPr lang="zh-CN" altLang="en-US" smtClean="0"/>
+              <a:rPr lang="zh-CN" altLang="en-US"/>
               <a:t>第二级</a:t>
             </a:r>
-            <a:endParaRPr lang="zh-CN" altLang="en-US" smtClean="0"/>
           </a:p>
           <a:p>
             <a:pPr lvl="2"/>
             <a:r>
-              <a:rPr lang="zh-CN" altLang="en-US" smtClean="0"/>
+              <a:rPr lang="zh-CN" altLang="en-US"/>
               <a:t>第三级</a:t>
             </a:r>
-            <a:endParaRPr lang="zh-CN" altLang="en-US" smtClean="0"/>
           </a:p>
           <a:p>
             <a:pPr lvl="3"/>
             <a:r>
-              <a:rPr lang="zh-CN" altLang="en-US" smtClean="0"/>
+              <a:rPr lang="zh-CN" altLang="en-US"/>
               <a:t>第四级</a:t>
             </a:r>
-            <a:endParaRPr lang="zh-CN" altLang="en-US" smtClean="0"/>
           </a:p>
           <a:p>
             <a:pPr lvl="4"/>
             <a:r>
-              <a:rPr lang="zh-CN" altLang="en-US" smtClean="0"/>
+              <a:rPr lang="zh-CN" altLang="en-US"/>
               <a:t>第五级</a:t>
             </a:r>
-            <a:endParaRPr lang="zh-CN" altLang="en-US"/>
           </a:p>
         </p:txBody>
       </p:sp>
@@ -1222,6 +1205,7 @@
           <a:p>
             <a:fld id="{D997B5FA-0921-464F-AAE1-844C04324D75}" type="datetimeFigureOut">
               <a:rPr lang="zh-CN" altLang="en-US" smtClean="0"/>
+              <a:t>2025/7/26</a:t>
             </a:fld>
             <a:endParaRPr lang="zh-CN" altLang="en-US"/>
           </a:p>
@@ -1263,6 +1247,7 @@
           <a:p>
             <a:fld id="{565CE74E-AB26-4998-AD42-012C4C1AD076}" type="slidenum">
               <a:rPr lang="zh-CN" altLang="en-US" smtClean="0"/>
+              <a:t>‹#›</a:t>
             </a:fld>
             <a:endParaRPr lang="zh-CN" altLang="en-US"/>
           </a:p>
@@ -1314,10 +1299,9 @@
           <a:lstStyle/>
           <a:p>
             <a:r>
-              <a:rPr lang="zh-CN" altLang="en-US" smtClean="0"/>
+              <a:rPr lang="zh-CN" altLang="en-US"/>
               <a:t>单击此处编辑母版标题样式</a:t>
             </a:r>
-            <a:endParaRPr lang="zh-CN" altLang="en-US"/>
           </a:p>
         </p:txBody>
       </p:sp>
@@ -1380,10 +1364,9 @@
           <a:p>
             <a:pPr lvl="0"/>
             <a:r>
-              <a:rPr lang="zh-CN" altLang="en-US" smtClean="0"/>
+              <a:rPr lang="zh-CN" altLang="en-US"/>
               <a:t>单击此处编辑母版文本样式</a:t>
             </a:r>
-            <a:endParaRPr lang="zh-CN" altLang="en-US" smtClean="0"/>
           </a:p>
         </p:txBody>
       </p:sp>
@@ -1409,42 +1392,37 @@
           <a:p>
             <a:pPr lvl="0"/>
             <a:r>
-              <a:rPr lang="zh-CN" altLang="en-US" smtClean="0"/>
+              <a:rPr lang="zh-CN" altLang="en-US"/>
               <a:t>单击此处编辑母版文本样式</a:t>
             </a:r>
-            <a:endParaRPr lang="zh-CN" altLang="en-US" smtClean="0"/>
           </a:p>
           <a:p>
             <a:pPr lvl="1"/>
             <a:r>
-              <a:rPr lang="zh-CN" altLang="en-US" smtClean="0"/>
+              <a:rPr lang="zh-CN" altLang="en-US"/>
               <a:t>第二级</a:t>
             </a:r>
-            <a:endParaRPr lang="zh-CN" altLang="en-US" smtClean="0"/>
           </a:p>
           <a:p>
             <a:pPr lvl="2"/>
             <a:r>
-              <a:rPr lang="zh-CN" altLang="en-US" smtClean="0"/>
+              <a:rPr lang="zh-CN" altLang="en-US"/>
               <a:t>第三级</a:t>
             </a:r>
-            <a:endParaRPr lang="zh-CN" altLang="en-US" smtClean="0"/>
           </a:p>
           <a:p>
             <a:pPr lvl="3"/>
             <a:r>
-              <a:rPr lang="zh-CN" altLang="en-US" smtClean="0"/>
+              <a:rPr lang="zh-CN" altLang="en-US"/>
               <a:t>第四级</a:t>
             </a:r>
-            <a:endParaRPr lang="zh-CN" altLang="en-US" smtClean="0"/>
           </a:p>
           <a:p>
             <a:pPr lvl="4"/>
             <a:r>
-              <a:rPr lang="zh-CN" altLang="en-US" smtClean="0"/>
+              <a:rPr lang="zh-CN" altLang="en-US"/>
               <a:t>第五级</a:t>
             </a:r>
-            <a:endParaRPr lang="zh-CN" altLang="en-US"/>
           </a:p>
         </p:txBody>
       </p:sp>
@@ -1507,10 +1485,9 @@
           <a:p>
             <a:pPr lvl="0"/>
             <a:r>
-              <a:rPr lang="zh-CN" altLang="en-US" smtClean="0"/>
+              <a:rPr lang="zh-CN" altLang="en-US"/>
               <a:t>单击此处编辑母版文本样式</a:t>
             </a:r>
-            <a:endParaRPr lang="zh-CN" altLang="en-US" smtClean="0"/>
           </a:p>
         </p:txBody>
       </p:sp>
@@ -1536,42 +1513,37 @@
           <a:p>
             <a:pPr lvl="0"/>
             <a:r>
-              <a:rPr lang="zh-CN" altLang="en-US" smtClean="0"/>
+              <a:rPr lang="zh-CN" altLang="en-US"/>
               <a:t>单击此处编辑母版文本样式</a:t>
             </a:r>
-            <a:endParaRPr lang="zh-CN" altLang="en-US" smtClean="0"/>
           </a:p>
           <a:p>
             <a:pPr lvl="1"/>
             <a:r>
-              <a:rPr lang="zh-CN" altLang="en-US" smtClean="0"/>
+              <a:rPr lang="zh-CN" altLang="en-US"/>
               <a:t>第二级</a:t>
             </a:r>
-            <a:endParaRPr lang="zh-CN" altLang="en-US" smtClean="0"/>
           </a:p>
           <a:p>
             <a:pPr lvl="2"/>
             <a:r>
-              <a:rPr lang="zh-CN" altLang="en-US" smtClean="0"/>
+              <a:rPr lang="zh-CN" altLang="en-US"/>
               <a:t>第三级</a:t>
             </a:r>
-            <a:endParaRPr lang="zh-CN" altLang="en-US" smtClean="0"/>
           </a:p>
           <a:p>
             <a:pPr lvl="3"/>
             <a:r>
-              <a:rPr lang="zh-CN" altLang="en-US" smtClean="0"/>
+              <a:rPr lang="zh-CN" altLang="en-US"/>
               <a:t>第四级</a:t>
             </a:r>
-            <a:endParaRPr lang="zh-CN" altLang="en-US" smtClean="0"/>
           </a:p>
           <a:p>
             <a:pPr lvl="4"/>
             <a:r>
-              <a:rPr lang="zh-CN" altLang="en-US" smtClean="0"/>
+              <a:rPr lang="zh-CN" altLang="en-US"/>
               <a:t>第五级</a:t>
             </a:r>
-            <a:endParaRPr lang="zh-CN" altLang="en-US"/>
           </a:p>
         </p:txBody>
       </p:sp>
@@ -1592,6 +1564,7 @@
           <a:p>
             <a:fld id="{D997B5FA-0921-464F-AAE1-844C04324D75}" type="datetimeFigureOut">
               <a:rPr lang="zh-CN" altLang="en-US" smtClean="0"/>
+              <a:t>2025/7/26</a:t>
             </a:fld>
             <a:endParaRPr lang="zh-CN" altLang="en-US"/>
           </a:p>
@@ -1633,6 +1606,7 @@
           <a:p>
             <a:fld id="{565CE74E-AB26-4998-AD42-012C4C1AD076}" type="slidenum">
               <a:rPr lang="zh-CN" altLang="en-US" smtClean="0"/>
+              <a:t>‹#›</a:t>
             </a:fld>
             <a:endParaRPr lang="zh-CN" altLang="en-US"/>
           </a:p>
@@ -1679,10 +1653,9 @@
           <a:lstStyle/>
           <a:p>
             <a:r>
-              <a:rPr lang="zh-CN" altLang="en-US" smtClean="0"/>
+              <a:rPr lang="zh-CN" altLang="en-US"/>
               <a:t>单击此处编辑母版标题样式</a:t>
             </a:r>
-            <a:endParaRPr lang="zh-CN" altLang="en-US"/>
           </a:p>
         </p:txBody>
       </p:sp>
@@ -1703,6 +1676,7 @@
           <a:p>
             <a:fld id="{D997B5FA-0921-464F-AAE1-844C04324D75}" type="datetimeFigureOut">
               <a:rPr lang="zh-CN" altLang="en-US" smtClean="0"/>
+              <a:t>2025/7/26</a:t>
             </a:fld>
             <a:endParaRPr lang="zh-CN" altLang="en-US"/>
           </a:p>
@@ -1744,6 +1718,7 @@
           <a:p>
             <a:fld id="{565CE74E-AB26-4998-AD42-012C4C1AD076}" type="slidenum">
               <a:rPr lang="zh-CN" altLang="en-US" smtClean="0"/>
+              <a:t>‹#›</a:t>
             </a:fld>
             <a:endParaRPr lang="zh-CN" altLang="en-US"/>
           </a:p>
@@ -1791,6 +1766,7 @@
           <a:p>
             <a:fld id="{D997B5FA-0921-464F-AAE1-844C04324D75}" type="datetimeFigureOut">
               <a:rPr lang="zh-CN" altLang="en-US" smtClean="0"/>
+              <a:t>2025/7/26</a:t>
             </a:fld>
             <a:endParaRPr lang="zh-CN" altLang="en-US"/>
           </a:p>
@@ -1832,6 +1808,7 @@
           <a:p>
             <a:fld id="{565CE74E-AB26-4998-AD42-012C4C1AD076}" type="slidenum">
               <a:rPr lang="zh-CN" altLang="en-US" smtClean="0"/>
+              <a:t>‹#›</a:t>
             </a:fld>
             <a:endParaRPr lang="zh-CN" altLang="en-US"/>
           </a:p>
@@ -1887,10 +1864,9 @@
           </a:lstStyle>
           <a:p>
             <a:r>
-              <a:rPr lang="zh-CN" altLang="en-US" smtClean="0"/>
+              <a:rPr lang="zh-CN" altLang="en-US"/>
               <a:t>单击此处编辑母版标题样式</a:t>
             </a:r>
-            <a:endParaRPr lang="zh-CN" altLang="en-US"/>
           </a:p>
         </p:txBody>
       </p:sp>
@@ -1944,42 +1920,37 @@
           <a:p>
             <a:pPr lvl="0"/>
             <a:r>
-              <a:rPr lang="zh-CN" altLang="en-US" smtClean="0"/>
+              <a:rPr lang="zh-CN" altLang="en-US"/>
               <a:t>单击此处编辑母版文本样式</a:t>
             </a:r>
-            <a:endParaRPr lang="zh-CN" altLang="en-US" smtClean="0"/>
           </a:p>
           <a:p>
             <a:pPr lvl="1"/>
             <a:r>
-              <a:rPr lang="zh-CN" altLang="en-US" smtClean="0"/>
+              <a:rPr lang="zh-CN" altLang="en-US"/>
               <a:t>第二级</a:t>
             </a:r>
-            <a:endParaRPr lang="zh-CN" altLang="en-US" smtClean="0"/>
           </a:p>
           <a:p>
             <a:pPr lvl="2"/>
             <a:r>
-              <a:rPr lang="zh-CN" altLang="en-US" smtClean="0"/>
+              <a:rPr lang="zh-CN" altLang="en-US"/>
               <a:t>第三级</a:t>
             </a:r>
-            <a:endParaRPr lang="zh-CN" altLang="en-US" smtClean="0"/>
           </a:p>
           <a:p>
             <a:pPr lvl="3"/>
             <a:r>
-              <a:rPr lang="zh-CN" altLang="en-US" smtClean="0"/>
+              <a:rPr lang="zh-CN" altLang="en-US"/>
               <a:t>第四级</a:t>
             </a:r>
-            <a:endParaRPr lang="zh-CN" altLang="en-US" smtClean="0"/>
           </a:p>
           <a:p>
             <a:pPr lvl="4"/>
             <a:r>
-              <a:rPr lang="zh-CN" altLang="en-US" smtClean="0"/>
+              <a:rPr lang="zh-CN" altLang="en-US"/>
               <a:t>第五级</a:t>
             </a:r>
-            <a:endParaRPr lang="zh-CN" altLang="en-US"/>
           </a:p>
         </p:txBody>
       </p:sp>
@@ -2042,10 +2013,9 @@
           <a:p>
             <a:pPr lvl="0"/>
             <a:r>
-              <a:rPr lang="zh-CN" altLang="en-US" smtClean="0"/>
+              <a:rPr lang="zh-CN" altLang="en-US"/>
               <a:t>单击此处编辑母版文本样式</a:t>
             </a:r>
-            <a:endParaRPr lang="zh-CN" altLang="en-US" smtClean="0"/>
           </a:p>
         </p:txBody>
       </p:sp>
@@ -2066,6 +2036,7 @@
           <a:p>
             <a:fld id="{D997B5FA-0921-464F-AAE1-844C04324D75}" type="datetimeFigureOut">
               <a:rPr lang="zh-CN" altLang="en-US" smtClean="0"/>
+              <a:t>2025/7/26</a:t>
             </a:fld>
             <a:endParaRPr lang="zh-CN" altLang="en-US"/>
           </a:p>
@@ -2107,6 +2078,7 @@
           <a:p>
             <a:fld id="{565CE74E-AB26-4998-AD42-012C4C1AD076}" type="slidenum">
               <a:rPr lang="zh-CN" altLang="en-US" smtClean="0"/>
+              <a:t>‹#›</a:t>
             </a:fld>
             <a:endParaRPr lang="zh-CN" altLang="en-US"/>
           </a:p>
@@ -2162,10 +2134,9 @@
           </a:lstStyle>
           <a:p>
             <a:r>
-              <a:rPr lang="zh-CN" altLang="en-US" smtClean="0"/>
+              <a:rPr lang="zh-CN" altLang="en-US"/>
               <a:t>单击此处编辑母版标题样式</a:t>
             </a:r>
-            <a:endParaRPr lang="zh-CN" altLang="en-US"/>
           </a:p>
         </p:txBody>
       </p:sp>
@@ -2289,10 +2260,9 @@
           <a:p>
             <a:pPr lvl="0"/>
             <a:r>
-              <a:rPr lang="zh-CN" altLang="en-US" smtClean="0"/>
+              <a:rPr lang="zh-CN" altLang="en-US"/>
               <a:t>单击此处编辑母版文本样式</a:t>
             </a:r>
-            <a:endParaRPr lang="zh-CN" altLang="en-US" smtClean="0"/>
           </a:p>
         </p:txBody>
       </p:sp>
@@ -2313,6 +2283,7 @@
           <a:p>
             <a:fld id="{D997B5FA-0921-464F-AAE1-844C04324D75}" type="datetimeFigureOut">
               <a:rPr lang="zh-CN" altLang="en-US" smtClean="0"/>
+              <a:t>2025/7/26</a:t>
             </a:fld>
             <a:endParaRPr lang="zh-CN" altLang="en-US"/>
           </a:p>
@@ -2354,6 +2325,7 @@
           <a:p>
             <a:fld id="{565CE74E-AB26-4998-AD42-012C4C1AD076}" type="slidenum">
               <a:rPr lang="zh-CN" altLang="en-US" smtClean="0"/>
+              <a:t>‹#›</a:t>
             </a:fld>
             <a:endParaRPr lang="zh-CN" altLang="en-US"/>
           </a:p>
@@ -2415,10 +2387,9 @@
           <a:lstStyle/>
           <a:p>
             <a:r>
-              <a:rPr lang="zh-CN" altLang="en-US" smtClean="0"/>
+              <a:rPr lang="zh-CN" altLang="en-US"/>
               <a:t>单击此处编辑母版标题样式</a:t>
             </a:r>
-            <a:endParaRPr lang="zh-CN" altLang="en-US"/>
           </a:p>
         </p:txBody>
       </p:sp>
@@ -2449,42 +2420,37 @@
           <a:p>
             <a:pPr lvl="0"/>
             <a:r>
-              <a:rPr lang="zh-CN" altLang="en-US" smtClean="0"/>
+              <a:rPr lang="zh-CN" altLang="en-US"/>
               <a:t>单击此处编辑母版文本样式</a:t>
             </a:r>
-            <a:endParaRPr lang="zh-CN" altLang="en-US" smtClean="0"/>
           </a:p>
           <a:p>
             <a:pPr lvl="1"/>
             <a:r>
-              <a:rPr lang="zh-CN" altLang="en-US" smtClean="0"/>
+              <a:rPr lang="zh-CN" altLang="en-US"/>
               <a:t>第二级</a:t>
             </a:r>
-            <a:endParaRPr lang="zh-CN" altLang="en-US" smtClean="0"/>
           </a:p>
           <a:p>
             <a:pPr lvl="2"/>
             <a:r>
-              <a:rPr lang="zh-CN" altLang="en-US" smtClean="0"/>
+              <a:rPr lang="zh-CN" altLang="en-US"/>
               <a:t>第三级</a:t>
             </a:r>
-            <a:endParaRPr lang="zh-CN" altLang="en-US" smtClean="0"/>
           </a:p>
           <a:p>
             <a:pPr lvl="3"/>
             <a:r>
-              <a:rPr lang="zh-CN" altLang="en-US" smtClean="0"/>
+              <a:rPr lang="zh-CN" altLang="en-US"/>
               <a:t>第四级</a:t>
             </a:r>
-            <a:endParaRPr lang="zh-CN" altLang="en-US" smtClean="0"/>
           </a:p>
           <a:p>
             <a:pPr lvl="4"/>
             <a:r>
-              <a:rPr lang="zh-CN" altLang="en-US" smtClean="0"/>
+              <a:rPr lang="zh-CN" altLang="en-US"/>
               <a:t>第五级</a:t>
             </a:r>
-            <a:endParaRPr lang="zh-CN" altLang="en-US"/>
           </a:p>
         </p:txBody>
       </p:sp>
@@ -2523,6 +2489,7 @@
           <a:p>
             <a:fld id="{D997B5FA-0921-464F-AAE1-844C04324D75}" type="datetimeFigureOut">
               <a:rPr lang="zh-CN" altLang="en-US" smtClean="0"/>
+              <a:t>2025/7/26</a:t>
             </a:fld>
             <a:endParaRPr lang="zh-CN" altLang="en-US"/>
           </a:p>
@@ -2600,6 +2567,7 @@
           <a:p>
             <a:fld id="{565CE74E-AB26-4998-AD42-012C4C1AD076}" type="slidenum">
               <a:rPr lang="zh-CN" altLang="en-US" smtClean="0"/>
+              <a:t>‹#›</a:t>
             </a:fld>
             <a:endParaRPr lang="zh-CN" altLang="en-US"/>
           </a:p>
@@ -2913,7 +2881,14 @@
         <p:cNvGrpSpPr/>
         <p:nvPr/>
       </p:nvGrpSpPr>
-      <p:grpSpPr/>
+      <p:grpSpPr>
+        <a:xfrm>
+          <a:off x="0" y="0"/>
+          <a:ext cx="0" cy="0"/>
+          <a:chOff x="0" y="0"/>
+          <a:chExt cx="0" cy="0"/>
+        </a:xfrm>
+      </p:grpSpPr>
       <p:grpSp>
         <p:nvGrpSpPr>
           <p:cNvPr id="8" name="组合 7"/>
@@ -2971,6 +2946,7 @@
           </p:style>
           <p:txBody>
             <a:bodyPr rtlCol="0" anchor="ctr"/>
+            <a:lstStyle/>
             <a:p>
               <a:pPr algn="ctr"/>
               <a:endParaRPr lang="zh-CN" altLang="en-US"/>
@@ -3020,6 +2996,7 @@
           </p:style>
           <p:txBody>
             <a:bodyPr rtlCol="0" anchor="ctr"/>
+            <a:lstStyle/>
             <a:p>
               <a:pPr algn="l"/>
               <a:r>
@@ -3038,11 +3015,6 @@
                 </a:rPr>
                 <a:t>你好</a:t>
               </a:r>
-              <a:endParaRPr lang="zh-CN" altLang="en-US">
-                <a:solidFill>
-                  <a:schemeClr val="tx1"/>
-                </a:solidFill>
-              </a:endParaRPr>
             </a:p>
           </p:txBody>
         </p:sp>
@@ -3084,13 +3056,13 @@
           </p:style>
           <p:txBody>
             <a:bodyPr rtlCol="0" anchor="ctr"/>
+            <a:lstStyle/>
             <a:p>
               <a:pPr algn="l"/>
               <a:r>
                 <a:rPr lang="en-US" altLang="zh-CN"/>
                 <a:t>nihao</a:t>
               </a:r>
-              <a:endParaRPr lang="en-US" altLang="zh-CN"/>
             </a:p>
           </p:txBody>
         </p:sp>
@@ -3137,6 +3109,7 @@
           </p:style>
           <p:txBody>
             <a:bodyPr rtlCol="0" anchor="ctr"/>
+            <a:lstStyle/>
             <a:p>
               <a:pPr algn="l"/>
               <a:r>
@@ -3155,11 +3128,6 @@
                 </a:rPr>
                 <a:t>你号</a:t>
               </a:r>
-              <a:endParaRPr lang="zh-CN" altLang="en-US">
-                <a:solidFill>
-                  <a:schemeClr val="tx1"/>
-                </a:solidFill>
-              </a:endParaRPr>
             </a:p>
           </p:txBody>
         </p:sp>
@@ -3206,6 +3174,7 @@
           </p:style>
           <p:txBody>
             <a:bodyPr rtlCol="0" anchor="ctr"/>
+            <a:lstStyle/>
             <a:p>
               <a:pPr algn="l"/>
               <a:r>
@@ -3224,7 +3193,228 @@
                 </a:rPr>
                 <a:t>泥号</a:t>
               </a:r>
-              <a:endParaRPr lang="zh-CN" altLang="en-US">
+            </a:p>
+          </p:txBody>
+        </p:sp>
+      </p:grpSp>
+    </p:spTree>
+  </p:cSld>
+  <p:clrMapOvr>
+    <a:masterClrMapping/>
+  </p:clrMapOvr>
+</p:sld>
+</file>
+
+<file path=ppt/slides/slide2.xml><?xml version="1.0" encoding="utf-8"?>
+<p:sld xmlns:a="http://schemas.openxmlformats.org/drawingml/2006/main" xmlns:r="http://schemas.openxmlformats.org/officeDocument/2006/relationships" xmlns:p="http://schemas.openxmlformats.org/presentationml/2006/main">
+  <p:cSld>
+    <p:spTree>
+      <p:nvGrpSpPr>
+        <p:cNvPr id="1" name=""/>
+        <p:cNvGrpSpPr/>
+        <p:nvPr/>
+      </p:nvGrpSpPr>
+      <p:grpSpPr>
+        <a:xfrm>
+          <a:off x="0" y="0"/>
+          <a:ext cx="0" cy="0"/>
+          <a:chOff x="0" y="0"/>
+          <a:chExt cx="0" cy="0"/>
+        </a:xfrm>
+      </p:grpSpPr>
+      <p:grpSp>
+        <p:nvGrpSpPr>
+          <p:cNvPr id="11" name="组合 10">
+            <a:extLst>
+              <a:ext uri="{FF2B5EF4-FFF2-40B4-BE49-F238E27FC236}">
+                <a16:creationId xmlns:a16="http://schemas.microsoft.com/office/drawing/2014/main" id="{05AB847F-2BA8-8405-C794-3CC9F4A9F1CB}"/>
+              </a:ext>
+            </a:extLst>
+          </p:cNvPr>
+          <p:cNvGrpSpPr/>
+          <p:nvPr/>
+        </p:nvGrpSpPr>
+        <p:grpSpPr>
+          <a:xfrm>
+            <a:off x="2958424" y="1222240"/>
+            <a:ext cx="4991100" cy="3616460"/>
+            <a:chOff x="2958424" y="1222240"/>
+            <a:chExt cx="4991100" cy="3616460"/>
+          </a:xfrm>
+        </p:grpSpPr>
+        <p:sp>
+          <p:nvSpPr>
+            <p:cNvPr id="6" name="矩形: 圆角 5">
+              <a:extLst>
+                <a:ext uri="{FF2B5EF4-FFF2-40B4-BE49-F238E27FC236}">
+                  <a16:creationId xmlns:a16="http://schemas.microsoft.com/office/drawing/2014/main" id="{4D942737-49A5-57D9-AB56-7E303BB290D0}"/>
+                </a:ext>
+              </a:extLst>
+            </p:cNvPr>
+            <p:cNvSpPr/>
+            <p:nvPr/>
+          </p:nvSpPr>
+          <p:spPr>
+            <a:xfrm>
+              <a:off x="3076754" y="1619655"/>
+              <a:ext cx="4461966" cy="3219045"/>
+            </a:xfrm>
+            <a:prstGeom prst="roundRect">
+              <a:avLst>
+                <a:gd name="adj" fmla="val 5645"/>
+              </a:avLst>
+            </a:prstGeom>
+            <a:solidFill>
+              <a:srgbClr val="F1D177"/>
+            </a:solidFill>
+            <a:ln>
+              <a:noFill/>
+            </a:ln>
+          </p:spPr>
+          <p:style>
+            <a:lnRef idx="2">
+              <a:schemeClr val="accent1">
+                <a:shade val="15000"/>
+              </a:schemeClr>
+            </a:lnRef>
+            <a:fillRef idx="1">
+              <a:schemeClr val="accent1"/>
+            </a:fillRef>
+            <a:effectRef idx="0">
+              <a:schemeClr val="accent1"/>
+            </a:effectRef>
+            <a:fontRef idx="minor">
+              <a:schemeClr val="lt1"/>
+            </a:fontRef>
+          </p:style>
+          <p:txBody>
+            <a:bodyPr rtlCol="0" anchor="ctr"/>
+            <a:lstStyle/>
+            <a:p>
+              <a:pPr algn="ctr"/>
+              <a:endParaRPr lang="zh-CN" altLang="en-US"/>
+            </a:p>
+          </p:txBody>
+        </p:sp>
+        <p:pic>
+          <p:nvPicPr>
+            <p:cNvPr id="5" name="图片 4">
+              <a:extLst>
+                <a:ext uri="{FF2B5EF4-FFF2-40B4-BE49-F238E27FC236}">
+                  <a16:creationId xmlns:a16="http://schemas.microsoft.com/office/drawing/2014/main" id="{87B91A57-430E-2439-3A74-ED630F8BD1CE}"/>
+                </a:ext>
+              </a:extLst>
+            </p:cNvPr>
+            <p:cNvPicPr>
+              <a:picLocks noChangeAspect="1"/>
+            </p:cNvPicPr>
+            <p:nvPr/>
+          </p:nvPicPr>
+          <p:blipFill>
+            <a:blip r:embed="rId2">
+              <a:extLst>
+                <a:ext uri="{BEBA8EAE-BF5A-486C-A8C5-ECC9F3942E4B}">
+                  <a14:imgProps xmlns:a14="http://schemas.microsoft.com/office/drawing/2010/main">
+                    <a14:imgLayer r:embed="rId3">
+                      <a14:imgEffect>
+                        <a14:backgroundRemoval t="10000" b="90000" l="3244" r="89695">
+                          <a14:foregroundMark x1="7252" y1="30909" x2="7061" y2="48182"/>
+                          <a14:foregroundMark x1="3435" y1="33636" x2="3244" y2="51818"/>
+                        </a14:backgroundRemoval>
+                      </a14:imgEffect>
+                    </a14:imgLayer>
+                  </a14:imgProps>
+                </a:ext>
+              </a:extLst>
+            </a:blip>
+            <a:stretch>
+              <a:fillRect/>
+            </a:stretch>
+          </p:blipFill>
+          <p:spPr>
+            <a:xfrm>
+              <a:off x="2958424" y="1222240"/>
+              <a:ext cx="4991100" cy="1047750"/>
+            </a:xfrm>
+            <a:prstGeom prst="rect">
+              <a:avLst/>
+            </a:prstGeom>
+          </p:spPr>
+        </p:pic>
+        <p:sp>
+          <p:nvSpPr>
+            <p:cNvPr id="8" name="圆角矩形 4">
+              <a:extLst>
+                <a:ext uri="{FF2B5EF4-FFF2-40B4-BE49-F238E27FC236}">
+                  <a16:creationId xmlns:a16="http://schemas.microsoft.com/office/drawing/2014/main" id="{5AC95954-C2A4-113F-CC12-0DFE680EBCA7}"/>
+                </a:ext>
+              </a:extLst>
+            </p:cNvPr>
+            <p:cNvSpPr/>
+            <p:nvPr/>
+          </p:nvSpPr>
+          <p:spPr>
+            <a:xfrm>
+              <a:off x="3367440" y="2192425"/>
+              <a:ext cx="3981921" cy="474980"/>
+            </a:xfrm>
+            <a:prstGeom prst="roundRect">
+              <a:avLst>
+                <a:gd name="adj" fmla="val 8714"/>
+              </a:avLst>
+            </a:prstGeom>
+            <a:solidFill>
+              <a:srgbClr val="E6B018"/>
+            </a:solidFill>
+            <a:ln>
+              <a:noFill/>
+            </a:ln>
+          </p:spPr>
+          <p:style>
+            <a:lnRef idx="2">
+              <a:schemeClr val="accent1">
+                <a:lumMod val="75000"/>
+              </a:schemeClr>
+            </a:lnRef>
+            <a:fillRef idx="1">
+              <a:schemeClr val="accent1"/>
+            </a:fillRef>
+            <a:effectRef idx="0">
+              <a:srgbClr val="FFFFFF"/>
+            </a:effectRef>
+            <a:fontRef idx="minor">
+              <a:schemeClr val="lt1"/>
+            </a:fontRef>
+          </p:style>
+          <p:txBody>
+            <a:bodyPr rtlCol="0" anchor="ctr"/>
+            <a:lstStyle/>
+            <a:p>
+              <a:r>
+                <a:rPr lang="en-US" altLang="zh-CN" dirty="0">
+                  <a:solidFill>
+                    <a:schemeClr val="tx1"/>
+                  </a:solidFill>
+                </a:rPr>
+                <a:t>1. </a:t>
+              </a:r>
+              <a:r>
+                <a:rPr lang="zh-CN" altLang="en-US" dirty="0">
+                  <a:solidFill>
+                    <a:schemeClr val="tx1"/>
+                  </a:solidFill>
+                </a:rPr>
+                <a:t>你好，我是人工智能助手</a:t>
+              </a:r>
+              <a:r>
+                <a:rPr lang="en-US" altLang="zh-CN" dirty="0">
+                  <a:solidFill>
+                    <a:schemeClr val="tx1"/>
+                  </a:solidFill>
+                </a:rPr>
+                <a:t>xxx</a:t>
+              </a:r>
+              <a:endParaRPr lang="zh-CN" altLang="en-US" dirty="0">
                 <a:solidFill>
                   <a:schemeClr val="tx1"/>
                 </a:solidFill>
@@ -3232,8 +3422,165 @@
             </a:p>
           </p:txBody>
         </p:sp>
+        <p:sp>
+          <p:nvSpPr>
+            <p:cNvPr id="9" name="圆角矩形 4">
+              <a:extLst>
+                <a:ext uri="{FF2B5EF4-FFF2-40B4-BE49-F238E27FC236}">
+                  <a16:creationId xmlns:a16="http://schemas.microsoft.com/office/drawing/2014/main" id="{5563E43E-B6B0-BEDA-EEB7-DA3E1050417D}"/>
+                </a:ext>
+              </a:extLst>
+            </p:cNvPr>
+            <p:cNvSpPr/>
+            <p:nvPr/>
+          </p:nvSpPr>
+          <p:spPr>
+            <a:xfrm>
+              <a:off x="3367440" y="3053653"/>
+              <a:ext cx="3981921" cy="474980"/>
+            </a:xfrm>
+            <a:prstGeom prst="roundRect">
+              <a:avLst>
+                <a:gd name="adj" fmla="val 7431"/>
+              </a:avLst>
+            </a:prstGeom>
+            <a:solidFill>
+              <a:srgbClr val="E6B018"/>
+            </a:solidFill>
+            <a:ln>
+              <a:noFill/>
+            </a:ln>
+          </p:spPr>
+          <p:style>
+            <a:lnRef idx="2">
+              <a:schemeClr val="accent1">
+                <a:lumMod val="75000"/>
+              </a:schemeClr>
+            </a:lnRef>
+            <a:fillRef idx="1">
+              <a:schemeClr val="accent1"/>
+            </a:fillRef>
+            <a:effectRef idx="0">
+              <a:srgbClr val="FFFFFF"/>
+            </a:effectRef>
+            <a:fontRef idx="minor">
+              <a:schemeClr val="lt1"/>
+            </a:fontRef>
+          </p:style>
+          <p:txBody>
+            <a:bodyPr rtlCol="0" anchor="ctr"/>
+            <a:lstStyle/>
+            <a:p>
+              <a:r>
+                <a:rPr lang="en-US" altLang="zh-CN" dirty="0">
+                  <a:solidFill>
+                    <a:schemeClr val="tx1"/>
+                  </a:solidFill>
+                </a:rPr>
+                <a:t>2. </a:t>
+              </a:r>
+              <a:r>
+                <a:rPr lang="zh-CN" altLang="en-US" dirty="0">
+                  <a:solidFill>
+                    <a:schemeClr val="tx1"/>
+                  </a:solidFill>
+                </a:rPr>
+                <a:t>你好啊，请问有什么能帮你的吗？</a:t>
+              </a:r>
+            </a:p>
+          </p:txBody>
+        </p:sp>
+        <p:sp>
+          <p:nvSpPr>
+            <p:cNvPr id="10" name="圆角矩形 4">
+              <a:extLst>
+                <a:ext uri="{FF2B5EF4-FFF2-40B4-BE49-F238E27FC236}">
+                  <a16:creationId xmlns:a16="http://schemas.microsoft.com/office/drawing/2014/main" id="{2B0EE4F6-4418-D4FC-BAFD-C52AD462E78C}"/>
+                </a:ext>
+              </a:extLst>
+            </p:cNvPr>
+            <p:cNvSpPr/>
+            <p:nvPr/>
+          </p:nvSpPr>
+          <p:spPr>
+            <a:xfrm>
+              <a:off x="3367440" y="3914880"/>
+              <a:ext cx="3981921" cy="474980"/>
+            </a:xfrm>
+            <a:prstGeom prst="roundRect">
+              <a:avLst>
+                <a:gd name="adj" fmla="val 12565"/>
+              </a:avLst>
+            </a:prstGeom>
+            <a:solidFill>
+              <a:srgbClr val="E6B018"/>
+            </a:solidFill>
+            <a:ln>
+              <a:noFill/>
+            </a:ln>
+          </p:spPr>
+          <p:style>
+            <a:lnRef idx="2">
+              <a:schemeClr val="accent1">
+                <a:lumMod val="75000"/>
+              </a:schemeClr>
+            </a:lnRef>
+            <a:fillRef idx="1">
+              <a:schemeClr val="accent1"/>
+            </a:fillRef>
+            <a:effectRef idx="0">
+              <a:srgbClr val="FFFFFF"/>
+            </a:effectRef>
+            <a:fontRef idx="minor">
+              <a:schemeClr val="lt1"/>
+            </a:fontRef>
+          </p:style>
+          <p:txBody>
+            <a:bodyPr rtlCol="0" anchor="ctr"/>
+            <a:lstStyle/>
+            <a:p>
+              <a:r>
+                <a:rPr lang="en-US" altLang="zh-CN" dirty="0">
+                  <a:solidFill>
+                    <a:schemeClr val="tx1"/>
+                  </a:solidFill>
+                </a:rPr>
+                <a:t>3. Hello</a:t>
+              </a:r>
+              <a:r>
+                <a:rPr lang="zh-CN" altLang="en-US" dirty="0">
+                  <a:solidFill>
+                    <a:schemeClr val="tx1"/>
+                  </a:solidFill>
+                </a:rPr>
+                <a:t>，</a:t>
+              </a:r>
+              <a:r>
+                <a:rPr lang="en-US" altLang="zh-CN" dirty="0">
+                  <a:solidFill>
+                    <a:schemeClr val="tx1"/>
+                  </a:solidFill>
+                </a:rPr>
+                <a:t>how can I help you</a:t>
+              </a:r>
+              <a:r>
+                <a:rPr lang="zh-CN" altLang="en-US" dirty="0">
+                  <a:solidFill>
+                    <a:schemeClr val="tx1"/>
+                  </a:solidFill>
+                </a:rPr>
+                <a:t>？</a:t>
+              </a:r>
+            </a:p>
+          </p:txBody>
+        </p:sp>
       </p:grpSp>
     </p:spTree>
+    <p:extLst>
+      <p:ext uri="{BB962C8B-B14F-4D97-AF65-F5344CB8AC3E}">
+        <p14:creationId xmlns:p14="http://schemas.microsoft.com/office/powerpoint/2010/main" val="1633831850"/>
+      </p:ext>
+    </p:extLst>
   </p:cSld>
   <p:clrMapOvr>
     <a:masterClrMapping/>
@@ -3484,6 +3831,8 @@
       </a:bgFillStyleLst>
     </a:fmtScheme>
   </a:themeElements>
+  <a:objectDefaults/>
+  <a:extraClrSchemeLst/>
   <a:extLst>
     <a:ext uri="{05A4C25C-085E-4340-85A3-A5531E510DB2}">
       <thm15:themeFamily xmlns:thm15="http://schemas.microsoft.com/office/thememl/2012/main" name="Office Theme" id="{62F939B6-93AF-4DB8-9C6B-D6C7DFDC589F}" vid="{4A3C46E8-61CC-4603-A589-7422A47A8E4A}"/>

--- a/assets/UI.pptx
+++ b/assets/UI.pptx
@@ -3236,7 +3236,7 @@
         </p:nvGrpSpPr>
         <p:grpSpPr>
           <a:xfrm>
-            <a:off x="2958424" y="1222240"/>
+            <a:off x="6592874" y="1222240"/>
             <a:ext cx="4991100" cy="3616460"/>
             <a:chOff x="2958424" y="1222240"/>
             <a:chExt cx="4991100" cy="3616460"/>
@@ -3575,6 +3575,52 @@
           </p:txBody>
         </p:sp>
       </p:grpSp>
+      <p:pic>
+        <p:nvPicPr>
+          <p:cNvPr id="4" name="图片 3">
+            <a:extLst>
+              <a:ext uri="{FF2B5EF4-FFF2-40B4-BE49-F238E27FC236}">
+                <a16:creationId xmlns:a16="http://schemas.microsoft.com/office/drawing/2014/main" id="{C699FC13-622A-46AD-F615-61AD67F50B38}"/>
+              </a:ext>
+            </a:extLst>
+          </p:cNvPr>
+          <p:cNvPicPr>
+            <a:picLocks noChangeAspect="1"/>
+          </p:cNvPicPr>
+          <p:nvPr/>
+        </p:nvPicPr>
+        <p:blipFill>
+          <a:blip r:embed="rId2">
+            <a:extLst>
+              <a:ext uri="{BEBA8EAE-BF5A-486C-A8C5-ECC9F3942E4B}">
+                <a14:imgProps xmlns:a14="http://schemas.microsoft.com/office/drawing/2010/main">
+                  <a14:imgLayer r:embed="rId3">
+                    <a14:imgEffect>
+                      <a14:backgroundRemoval t="10000" b="90000" l="3244" r="89695">
+                        <a14:foregroundMark x1="7252" y1="30909" x2="7061" y2="48182"/>
+                        <a14:foregroundMark x1="3435" y1="33636" x2="3244" y2="51818"/>
+                      </a14:backgroundRemoval>
+                    </a14:imgEffect>
+                  </a14:imgLayer>
+                </a14:imgProps>
+              </a:ext>
+            </a:extLst>
+          </a:blip>
+          <a:srcRect t="6370" r="7068" b="36865"/>
+          <a:stretch>
+            <a:fillRect/>
+          </a:stretch>
+        </p:blipFill>
+        <p:spPr>
+          <a:xfrm>
+            <a:off x="793197" y="2072639"/>
+            <a:ext cx="4638339" cy="594765"/>
+          </a:xfrm>
+          <a:prstGeom prst="rect">
+            <a:avLst/>
+          </a:prstGeom>
+        </p:spPr>
+      </p:pic>
     </p:spTree>
     <p:extLst>
       <p:ext uri="{BB962C8B-B14F-4D97-AF65-F5344CB8AC3E}">
